--- a/基础PPT/JavaSE进阶第二版/第9章：Java泛型简介.pptx
+++ b/基础PPT/JavaSE进阶第二版/第9章：Java泛型简介.pptx
@@ -13716,6 +13716,18 @@
           <a:p>
             <a:pPr algn="l"/>
             <a:r>
+              <a:rPr lang="en-US" altLang="zh-CN">
+                <a:sym typeface="+mn-ea"/>
+              </a:rPr>
+              <a:t>5</a:t>
+            </a:r>
+            <a:r>
+              <a:rPr lang="zh-CN" altLang="en-US">
+                <a:sym typeface="+mn-ea"/>
+              </a:rPr>
+              <a:t>、</a:t>
+            </a:r>
+            <a:r>
               <a:rPr lang="zh-CN" altLang="en-US">
                 <a:sym typeface="+mn-ea"/>
               </a:rPr>
@@ -13750,6 +13762,18 @@
           <a:p>
             <a:pPr algn="l"/>
             <a:r>
+              <a:rPr lang="en-US" altLang="zh-CN">
+                <a:sym typeface="+mn-ea"/>
+              </a:rPr>
+              <a:t>6</a:t>
+            </a:r>
+            <a:r>
+              <a:rPr lang="zh-CN" altLang="en-US">
+                <a:sym typeface="+mn-ea"/>
+              </a:rPr>
+              <a:t>、</a:t>
+            </a:r>
+            <a:r>
               <a:rPr lang="zh-CN" altLang="en-US">
                 <a:sym typeface="+mn-ea"/>
               </a:rPr>
@@ -13782,6 +13806,18 @@
           <a:p>
             <a:pPr algn="l"/>
             <a:r>
+              <a:rPr lang="en-US" altLang="zh-CN">
+                <a:sym typeface="+mn-ea"/>
+              </a:rPr>
+              <a:t>1</a:t>
+            </a:r>
+            <a:r>
+              <a:rPr lang="zh-CN" altLang="en-US">
+                <a:sym typeface="+mn-ea"/>
+              </a:rPr>
+              <a:t>、</a:t>
+            </a:r>
+            <a:r>
               <a:rPr lang="zh-CN" altLang="en-US">
                 <a:sym typeface="+mn-ea"/>
               </a:rPr>
@@ -13816,6 +13852,18 @@
           <a:p>
             <a:pPr algn="l"/>
             <a:r>
+              <a:rPr lang="en-US" altLang="zh-CN">
+                <a:sym typeface="+mn-ea"/>
+              </a:rPr>
+              <a:t>2</a:t>
+            </a:r>
+            <a:r>
+              <a:rPr lang="zh-CN" altLang="en-US">
+                <a:sym typeface="+mn-ea"/>
+              </a:rPr>
+              <a:t>、</a:t>
+            </a:r>
+            <a:r>
               <a:rPr lang="zh-CN" altLang="en-US">
                 <a:sym typeface="+mn-ea"/>
               </a:rPr>
@@ -13850,6 +13898,24 @@
           <a:p>
             <a:pPr algn="l"/>
             <a:r>
+              <a:rPr lang="en-US" altLang="zh-CN">
+                <a:latin typeface="+mj-ea"/>
+                <a:ea typeface="+mj-ea"/>
+                <a:cs typeface="+mj-ea"/>
+                <a:sym typeface="+mn-ea"/>
+              </a:rPr>
+              <a:t>3</a:t>
+            </a:r>
+            <a:r>
+              <a:rPr lang="zh-CN" altLang="en-US">
+                <a:latin typeface="+mj-ea"/>
+                <a:ea typeface="+mj-ea"/>
+                <a:cs typeface="+mj-ea"/>
+                <a:sym typeface="+mn-ea"/>
+              </a:rPr>
+              <a:t>、</a:t>
+            </a:r>
+            <a:r>
               <a:rPr lang="zh-CN">
                 <a:latin typeface="+mj-ea"/>
                 <a:ea typeface="+mj-ea"/>
@@ -13887,6 +13953,18 @@
           <a:p>
             <a:pPr algn="l"/>
             <a:r>
+              <a:rPr lang="en-US" altLang="zh-CN">
+                <a:sym typeface="+mn-ea"/>
+              </a:rPr>
+              <a:t>4</a:t>
+            </a:r>
+            <a:r>
+              <a:rPr lang="zh-CN" altLang="en-US">
+                <a:sym typeface="+mn-ea"/>
+              </a:rPr>
+              <a:t>、</a:t>
+            </a:r>
+            <a:r>
               <a:rPr lang="zh-CN" altLang="en-US">
                 <a:sym typeface="+mn-ea"/>
               </a:rPr>
@@ -13920,6 +13998,18 @@
           </a:bodyPr>
           <a:p>
             <a:pPr algn="l"/>
+            <a:r>
+              <a:rPr lang="en-US" altLang="zh-CN">
+                <a:sym typeface="+mn-ea"/>
+              </a:rPr>
+              <a:t>7</a:t>
+            </a:r>
+            <a:r>
+              <a:rPr lang="zh-CN" altLang="en-US">
+                <a:sym typeface="+mn-ea"/>
+              </a:rPr>
+              <a:t>、</a:t>
+            </a:r>
             <a:r>
               <a:rPr lang="zh-CN" altLang="en-US">
                 <a:sym typeface="+mn-ea"/>
